--- a/spring/docs/03-mvc.pptx
+++ b/spring/docs/03-mvc.pptx
@@ -6,15 +6,23 @@
     <p:sldMasterId id="2147483660" r:id="rId2"/>
   </p:sldMasterIdLst>
   <p:notesMasterIdLst>
-    <p:notesMasterId r:id="rId9"/>
+    <p:notesMasterId r:id="rId17"/>
   </p:notesMasterIdLst>
   <p:sldIdLst>
     <p:sldId id="256" r:id="rId3"/>
     <p:sldId id="268" r:id="rId4"/>
-    <p:sldId id="272" r:id="rId5"/>
-    <p:sldId id="269" r:id="rId6"/>
-    <p:sldId id="270" r:id="rId7"/>
-    <p:sldId id="261" r:id="rId8"/>
+    <p:sldId id="269" r:id="rId5"/>
+    <p:sldId id="270" r:id="rId6"/>
+    <p:sldId id="271" r:id="rId7"/>
+    <p:sldId id="279" r:id="rId8"/>
+    <p:sldId id="272" r:id="rId9"/>
+    <p:sldId id="273" r:id="rId10"/>
+    <p:sldId id="274" r:id="rId11"/>
+    <p:sldId id="275" r:id="rId12"/>
+    <p:sldId id="276" r:id="rId13"/>
+    <p:sldId id="277" r:id="rId14"/>
+    <p:sldId id="278" r:id="rId15"/>
+    <p:sldId id="261" r:id="rId16"/>
   </p:sldIdLst>
   <p:sldSz cx="9144000" cy="6858000" type="screen4x3"/>
   <p:notesSz cx="6858000" cy="9144000"/>
@@ -553,7 +561,7 @@
             <a:fld id="{96901A81-0F01-4EEE-B1B8-8AAFCC661EC4}" type="slidenum">
               <a:rPr lang="zh-CN" altLang="en-US" smtClean="0"/>
               <a:pPr/>
-              <a:t>6</a:t>
+              <a:t>14</a:t>
             </a:fld>
             <a:endParaRPr lang="zh-CN" altLang="en-US"/>
           </a:p>
@@ -39770,6 +39778,802 @@
 </p:sld>
 </file>
 
+<file path=ppt/slides/slide10.xml><?xml version="1.0" encoding="utf-8"?>
+<p:sld xmlns:a="http://schemas.openxmlformats.org/drawingml/2006/main" xmlns:r="http://schemas.openxmlformats.org/officeDocument/2006/relationships" xmlns:p="http://schemas.openxmlformats.org/presentationml/2006/main">
+  <p:cSld>
+    <p:spTree>
+      <p:nvGrpSpPr>
+        <p:cNvPr id="1" name=""/>
+        <p:cNvGrpSpPr/>
+        <p:nvPr/>
+      </p:nvGrpSpPr>
+      <p:grpSpPr>
+        <a:xfrm>
+          <a:off x="0" y="0"/>
+          <a:ext cx="0" cy="0"/>
+          <a:chOff x="0" y="0"/>
+          <a:chExt cx="0" cy="0"/>
+        </a:xfrm>
+      </p:grpSpPr>
+      <p:sp>
+        <p:nvSpPr>
+          <p:cNvPr id="2" name="标题 1"/>
+          <p:cNvSpPr>
+            <a:spLocks noGrp="1"/>
+          </p:cNvSpPr>
+          <p:nvPr>
+            <p:ph type="title"/>
+          </p:nvPr>
+        </p:nvSpPr>
+        <p:spPr/>
+        <p:txBody>
+          <a:bodyPr>
+            <a:normAutofit fontScale="90000"/>
+          </a:bodyPr>
+          <a:lstStyle/>
+          <a:p>
+            <a:r>
+              <a:rPr lang="zh-CN" altLang="en-US" dirty="0"/>
+              <a:t>请求处理方法的参数的改进</a:t>
+            </a:r>
+          </a:p>
+        </p:txBody>
+      </p:sp>
+      <p:sp>
+        <p:nvSpPr>
+          <p:cNvPr id="3" name="内容占位符 2"/>
+          <p:cNvSpPr>
+            <a:spLocks noGrp="1"/>
+          </p:cNvSpPr>
+          <p:nvPr>
+            <p:ph idx="1"/>
+          </p:nvPr>
+        </p:nvSpPr>
+        <p:spPr/>
+        <p:txBody>
+          <a:bodyPr/>
+          <a:lstStyle/>
+          <a:p>
+            <a:r>
+              <a:rPr lang="en-US" altLang="zh-CN" dirty="0"/>
+              <a:t>/</a:t>
+            </a:r>
+            <a:r>
+              <a:rPr lang="en-US" altLang="zh-CN" dirty="0" err="1"/>
+              <a:t>prodcuts</a:t>
+            </a:r>
+            <a:r>
+              <a:rPr lang="en-US" altLang="zh-CN" dirty="0"/>
+              <a:t>/</a:t>
+            </a:r>
+            <a:r>
+              <a:rPr lang="en-US" altLang="zh-CN" dirty="0" err="1"/>
+              <a:t>list?q</a:t>
+            </a:r>
+            <a:r>
+              <a:rPr lang="en-US" altLang="zh-CN" dirty="0"/>
+              <a:t>=</a:t>
+            </a:r>
+            <a:r>
+              <a:rPr lang="en-US" altLang="zh-CN" dirty="0" err="1"/>
+              <a:t>iphone</a:t>
+            </a:r>
+            <a:endParaRPr lang="en-US" altLang="zh-CN" dirty="0"/>
+          </a:p>
+          <a:p>
+            <a:endParaRPr lang="en-US" altLang="zh-CN" dirty="0"/>
+          </a:p>
+          <a:p>
+            <a:pPr marL="0" indent="0">
+              <a:buNone/>
+            </a:pPr>
+            <a:r>
+              <a:rPr lang="en-US" altLang="zh-CN" dirty="0"/>
+              <a:t>@</a:t>
+            </a:r>
+            <a:r>
+              <a:rPr lang="en-US" altLang="zh-CN" dirty="0" err="1"/>
+              <a:t>RequestMapping</a:t>
+            </a:r>
+            <a:r>
+              <a:rPr lang="en-US" altLang="zh-CN" dirty="0"/>
+              <a:t>("/list")</a:t>
+            </a:r>
+          </a:p>
+          <a:p>
+            <a:pPr marL="0" indent="0">
+              <a:buNone/>
+            </a:pPr>
+            <a:r>
+              <a:rPr lang="en-US" altLang="zh-CN" dirty="0"/>
+              <a:t>public String </a:t>
+            </a:r>
+            <a:r>
+              <a:rPr lang="en-US" altLang="zh-CN" dirty="0" err="1"/>
+              <a:t>listProducts</a:t>
+            </a:r>
+            <a:r>
+              <a:rPr lang="en-US" altLang="zh-CN" dirty="0" smtClean="0"/>
+              <a:t>(</a:t>
+            </a:r>
+          </a:p>
+          <a:p>
+            <a:pPr marL="0" indent="0">
+              <a:buNone/>
+            </a:pPr>
+            <a:r>
+              <a:rPr lang="en-US" altLang="zh-CN" dirty="0"/>
+              <a:t> </a:t>
+            </a:r>
+            <a:r>
+              <a:rPr lang="en-US" altLang="zh-CN" dirty="0" smtClean="0"/>
+              <a:t> @</a:t>
+            </a:r>
+            <a:r>
+              <a:rPr lang="en-US" altLang="zh-CN" dirty="0" err="1"/>
+              <a:t>RequestParam</a:t>
+            </a:r>
+            <a:r>
+              <a:rPr lang="en-US" altLang="zh-CN" dirty="0"/>
+              <a:t>("q") String q) </a:t>
+            </a:r>
+            <a:endParaRPr lang="en-US" altLang="zh-CN" dirty="0" smtClean="0"/>
+          </a:p>
+          <a:p>
+            <a:pPr marL="0" indent="0">
+              <a:buNone/>
+            </a:pPr>
+            <a:r>
+              <a:rPr lang="en-US" altLang="zh-CN" dirty="0" smtClean="0"/>
+              <a:t>{ </a:t>
+            </a:r>
+            <a:r>
+              <a:rPr lang="en-US" altLang="zh-CN" dirty="0"/>
+              <a:t>..... }</a:t>
+            </a:r>
+          </a:p>
+          <a:p>
+            <a:endParaRPr lang="zh-CN" altLang="en-US" dirty="0"/>
+          </a:p>
+        </p:txBody>
+      </p:sp>
+    </p:spTree>
+    <p:extLst>
+      <p:ext uri="{BB962C8B-B14F-4D97-AF65-F5344CB8AC3E}">
+        <p14:creationId xmlns:p14="http://schemas.microsoft.com/office/powerpoint/2010/main" val="2934257591"/>
+      </p:ext>
+    </p:extLst>
+  </p:cSld>
+  <p:clrMapOvr>
+    <a:masterClrMapping/>
+  </p:clrMapOvr>
+  <p:timing>
+    <p:tnLst>
+      <p:par>
+        <p:cTn id="1" dur="indefinite" restart="never" nodeType="tmRoot"/>
+      </p:par>
+    </p:tnLst>
+  </p:timing>
+</p:sld>
+</file>
+
+<file path=ppt/slides/slide11.xml><?xml version="1.0" encoding="utf-8"?>
+<p:sld xmlns:a="http://schemas.openxmlformats.org/drawingml/2006/main" xmlns:r="http://schemas.openxmlformats.org/officeDocument/2006/relationships" xmlns:p="http://schemas.openxmlformats.org/presentationml/2006/main">
+  <p:cSld>
+    <p:spTree>
+      <p:nvGrpSpPr>
+        <p:cNvPr id="1" name=""/>
+        <p:cNvGrpSpPr/>
+        <p:nvPr/>
+      </p:nvGrpSpPr>
+      <p:grpSpPr>
+        <a:xfrm>
+          <a:off x="0" y="0"/>
+          <a:ext cx="0" cy="0"/>
+          <a:chOff x="0" y="0"/>
+          <a:chExt cx="0" cy="0"/>
+        </a:xfrm>
+      </p:grpSpPr>
+      <p:sp>
+        <p:nvSpPr>
+          <p:cNvPr id="2" name="标题 1"/>
+          <p:cNvSpPr>
+            <a:spLocks noGrp="1"/>
+          </p:cNvSpPr>
+          <p:nvPr>
+            <p:ph type="title"/>
+          </p:nvPr>
+        </p:nvSpPr>
+        <p:spPr/>
+        <p:txBody>
+          <a:bodyPr>
+            <a:normAutofit fontScale="90000"/>
+          </a:bodyPr>
+          <a:lstStyle/>
+          <a:p>
+            <a:r>
+              <a:rPr lang="zh-CN" altLang="en-US" dirty="0" smtClean="0"/>
+              <a:t>其它参数的处理方法</a:t>
+            </a:r>
+            <a:endParaRPr lang="zh-CN" altLang="en-US" dirty="0"/>
+          </a:p>
+        </p:txBody>
+      </p:sp>
+      <p:sp>
+        <p:nvSpPr>
+          <p:cNvPr id="3" name="内容占位符 2"/>
+          <p:cNvSpPr>
+            <a:spLocks noGrp="1"/>
+          </p:cNvSpPr>
+          <p:nvPr>
+            <p:ph idx="1"/>
+          </p:nvPr>
+        </p:nvSpPr>
+        <p:spPr/>
+        <p:txBody>
+          <a:bodyPr/>
+          <a:lstStyle/>
+          <a:p>
+            <a:r>
+              <a:rPr lang="en-US" altLang="zh-CN" dirty="0" smtClean="0"/>
+              <a:t>Header</a:t>
+            </a:r>
+          </a:p>
+          <a:p>
+            <a:pPr marL="0" indent="0">
+              <a:buNone/>
+            </a:pPr>
+            <a:r>
+              <a:rPr lang="en-US" altLang="zh-CN" dirty="0"/>
+              <a:t>@</a:t>
+            </a:r>
+            <a:r>
+              <a:rPr lang="en-US" altLang="zh-CN" dirty="0" err="1"/>
+              <a:t>RequestHeader</a:t>
+            </a:r>
+            <a:r>
+              <a:rPr lang="en-US" altLang="zh-CN" dirty="0"/>
+              <a:t>(“</a:t>
+            </a:r>
+            <a:r>
+              <a:rPr lang="en-US" altLang="zh-CN" dirty="0" smtClean="0"/>
+              <a:t>Authorization")</a:t>
+            </a:r>
+          </a:p>
+          <a:p>
+            <a:pPr marL="0" indent="0">
+              <a:buNone/>
+            </a:pPr>
+            <a:endParaRPr lang="en-US" altLang="zh-CN" dirty="0" smtClean="0"/>
+          </a:p>
+          <a:p>
+            <a:r>
+              <a:rPr lang="en-US" altLang="zh-CN" dirty="0" smtClean="0"/>
+              <a:t>Cookie</a:t>
+            </a:r>
+          </a:p>
+          <a:p>
+            <a:pPr marL="0" indent="0">
+              <a:buNone/>
+            </a:pPr>
+            <a:r>
+              <a:rPr lang="en-US" altLang="zh-CN" dirty="0"/>
+              <a:t>@</a:t>
+            </a:r>
+            <a:r>
+              <a:rPr lang="en-US" altLang="zh-CN" dirty="0" err="1"/>
+              <a:t>CookieValue</a:t>
+            </a:r>
+            <a:r>
+              <a:rPr lang="en-US" altLang="zh-CN" dirty="0"/>
+              <a:t>("JSESSIONID</a:t>
+            </a:r>
+            <a:r>
+              <a:rPr lang="en-US" altLang="zh-CN" dirty="0" smtClean="0"/>
+              <a:t>")</a:t>
+            </a:r>
+          </a:p>
+          <a:p>
+            <a:pPr marL="0" indent="0">
+              <a:buNone/>
+            </a:pPr>
+            <a:endParaRPr lang="zh-CN" altLang="en-US" dirty="0"/>
+          </a:p>
+        </p:txBody>
+      </p:sp>
+    </p:spTree>
+    <p:extLst>
+      <p:ext uri="{BB962C8B-B14F-4D97-AF65-F5344CB8AC3E}">
+        <p14:creationId xmlns:p14="http://schemas.microsoft.com/office/powerpoint/2010/main" val="875196753"/>
+      </p:ext>
+    </p:extLst>
+  </p:cSld>
+  <p:clrMapOvr>
+    <a:masterClrMapping/>
+  </p:clrMapOvr>
+  <p:timing>
+    <p:tnLst>
+      <p:par>
+        <p:cTn id="1" dur="indefinite" restart="never" nodeType="tmRoot"/>
+      </p:par>
+    </p:tnLst>
+  </p:timing>
+</p:sld>
+</file>
+
+<file path=ppt/slides/slide12.xml><?xml version="1.0" encoding="utf-8"?>
+<p:sld xmlns:a="http://schemas.openxmlformats.org/drawingml/2006/main" xmlns:r="http://schemas.openxmlformats.org/officeDocument/2006/relationships" xmlns:p="http://schemas.openxmlformats.org/presentationml/2006/main">
+  <p:cSld>
+    <p:spTree>
+      <p:nvGrpSpPr>
+        <p:cNvPr id="1" name=""/>
+        <p:cNvGrpSpPr/>
+        <p:nvPr/>
+      </p:nvGrpSpPr>
+      <p:grpSpPr>
+        <a:xfrm>
+          <a:off x="0" y="0"/>
+          <a:ext cx="0" cy="0"/>
+          <a:chOff x="0" y="0"/>
+          <a:chExt cx="0" cy="0"/>
+        </a:xfrm>
+      </p:grpSpPr>
+      <p:sp>
+        <p:nvSpPr>
+          <p:cNvPr id="2" name="标题 1"/>
+          <p:cNvSpPr>
+            <a:spLocks noGrp="1"/>
+          </p:cNvSpPr>
+          <p:nvPr>
+            <p:ph type="title"/>
+          </p:nvPr>
+        </p:nvSpPr>
+        <p:spPr/>
+        <p:txBody>
+          <a:bodyPr>
+            <a:normAutofit fontScale="90000"/>
+          </a:bodyPr>
+          <a:lstStyle/>
+          <a:p>
+            <a:r>
+              <a:rPr lang="en-US" altLang="zh-CN" dirty="0" smtClean="0"/>
+              <a:t>Body</a:t>
+            </a:r>
+            <a:r>
+              <a:rPr lang="zh-CN" altLang="en-US" dirty="0" smtClean="0"/>
+              <a:t>的处理</a:t>
+            </a:r>
+            <a:endParaRPr lang="zh-CN" altLang="en-US" dirty="0"/>
+          </a:p>
+        </p:txBody>
+      </p:sp>
+      <p:sp>
+        <p:nvSpPr>
+          <p:cNvPr id="3" name="内容占位符 2"/>
+          <p:cNvSpPr>
+            <a:spLocks noGrp="1"/>
+          </p:cNvSpPr>
+          <p:nvPr>
+            <p:ph idx="1"/>
+          </p:nvPr>
+        </p:nvSpPr>
+        <p:spPr/>
+        <p:txBody>
+          <a:bodyPr/>
+          <a:lstStyle/>
+          <a:p>
+            <a:r>
+              <a:rPr lang="en-US" altLang="zh-CN" dirty="0"/>
+              <a:t>/products/save</a:t>
+            </a:r>
+          </a:p>
+          <a:p>
+            <a:endParaRPr lang="en-US" altLang="zh-CN" dirty="0"/>
+          </a:p>
+          <a:p>
+            <a:pPr marL="0" indent="0">
+              <a:buNone/>
+            </a:pPr>
+            <a:r>
+              <a:rPr lang="en-US" altLang="zh-CN" sz="2800" dirty="0"/>
+              <a:t>@</a:t>
+            </a:r>
+            <a:r>
+              <a:rPr lang="en-US" altLang="zh-CN" sz="2800" dirty="0" err="1"/>
+              <a:t>RequestMapping</a:t>
+            </a:r>
+            <a:r>
+              <a:rPr lang="en-US" altLang="zh-CN" sz="2800" dirty="0"/>
+              <a:t>(value = "/save", method = </a:t>
+            </a:r>
+            <a:r>
+              <a:rPr lang="en-US" altLang="zh-CN" sz="2800" dirty="0" err="1"/>
+              <a:t>RequestMethod.POST</a:t>
+            </a:r>
+            <a:r>
+              <a:rPr lang="en-US" altLang="zh-CN" sz="2800" dirty="0"/>
+              <a:t>)</a:t>
+            </a:r>
+          </a:p>
+          <a:p>
+            <a:pPr marL="0" indent="0">
+              <a:buNone/>
+            </a:pPr>
+            <a:r>
+              <a:rPr lang="en-US" altLang="zh-CN" sz="2800" dirty="0"/>
+              <a:t>public String </a:t>
+            </a:r>
+            <a:r>
+              <a:rPr lang="en-US" altLang="zh-CN" sz="2800" dirty="0" err="1"/>
+              <a:t>saveProduct</a:t>
+            </a:r>
+            <a:r>
+              <a:rPr lang="en-US" altLang="zh-CN" sz="2800" dirty="0" smtClean="0"/>
+              <a:t>(</a:t>
+            </a:r>
+          </a:p>
+          <a:p>
+            <a:pPr marL="0" indent="0">
+              <a:buNone/>
+            </a:pPr>
+            <a:r>
+              <a:rPr lang="en-US" altLang="zh-CN" sz="2800" dirty="0" smtClean="0"/>
+              <a:t>@</a:t>
+            </a:r>
+            <a:r>
+              <a:rPr lang="en-US" altLang="zh-CN" sz="2800" dirty="0" err="1"/>
+              <a:t>ModelAttribute</a:t>
+            </a:r>
+            <a:r>
+              <a:rPr lang="en-US" altLang="zh-CN" sz="2800" dirty="0"/>
+              <a:t>("product</a:t>
+            </a:r>
+            <a:r>
+              <a:rPr lang="en-US" altLang="zh-CN" sz="2800" dirty="0" smtClean="0"/>
+              <a:t>")  </a:t>
+            </a:r>
+            <a:r>
+              <a:rPr lang="en-US" altLang="zh-CN" sz="2800" dirty="0" err="1" smtClean="0"/>
+              <a:t>ProductForm</a:t>
+            </a:r>
+            <a:r>
+              <a:rPr lang="en-US" altLang="zh-CN" sz="2800" dirty="0" smtClean="0"/>
+              <a:t> </a:t>
+            </a:r>
+            <a:r>
+              <a:rPr lang="en-US" altLang="zh-CN" sz="2800" dirty="0" err="1"/>
+              <a:t>productForm</a:t>
+            </a:r>
+            <a:r>
+              <a:rPr lang="en-US" altLang="zh-CN" sz="2800" dirty="0"/>
+              <a:t>)</a:t>
+            </a:r>
+          </a:p>
+          <a:p>
+            <a:endParaRPr lang="zh-CN" altLang="en-US" dirty="0"/>
+          </a:p>
+        </p:txBody>
+      </p:sp>
+    </p:spTree>
+    <p:extLst>
+      <p:ext uri="{BB962C8B-B14F-4D97-AF65-F5344CB8AC3E}">
+        <p14:creationId xmlns:p14="http://schemas.microsoft.com/office/powerpoint/2010/main" val="1124898275"/>
+      </p:ext>
+    </p:extLst>
+  </p:cSld>
+  <p:clrMapOvr>
+    <a:masterClrMapping/>
+  </p:clrMapOvr>
+  <p:timing>
+    <p:tnLst>
+      <p:par>
+        <p:cTn id="1" dur="indefinite" restart="never" nodeType="tmRoot"/>
+      </p:par>
+    </p:tnLst>
+  </p:timing>
+</p:sld>
+</file>
+
+<file path=ppt/slides/slide13.xml><?xml version="1.0" encoding="utf-8"?>
+<p:sld xmlns:a="http://schemas.openxmlformats.org/drawingml/2006/main" xmlns:r="http://schemas.openxmlformats.org/officeDocument/2006/relationships" xmlns:p="http://schemas.openxmlformats.org/presentationml/2006/main">
+  <p:cSld>
+    <p:spTree>
+      <p:nvGrpSpPr>
+        <p:cNvPr id="1" name=""/>
+        <p:cNvGrpSpPr/>
+        <p:nvPr/>
+      </p:nvGrpSpPr>
+      <p:grpSpPr>
+        <a:xfrm>
+          <a:off x="0" y="0"/>
+          <a:ext cx="0" cy="0"/>
+          <a:chOff x="0" y="0"/>
+          <a:chExt cx="0" cy="0"/>
+        </a:xfrm>
+      </p:grpSpPr>
+      <p:sp>
+        <p:nvSpPr>
+          <p:cNvPr id="2" name="标题 1"/>
+          <p:cNvSpPr>
+            <a:spLocks noGrp="1"/>
+          </p:cNvSpPr>
+          <p:nvPr>
+            <p:ph type="title"/>
+          </p:nvPr>
+        </p:nvSpPr>
+        <p:spPr/>
+        <p:txBody>
+          <a:bodyPr>
+            <a:normAutofit fontScale="90000"/>
+          </a:bodyPr>
+          <a:lstStyle/>
+          <a:p>
+            <a:r>
+              <a:rPr lang="zh-CN" altLang="en-US" dirty="0" smtClean="0"/>
+              <a:t>请求方法的响应</a:t>
+            </a:r>
+            <a:endParaRPr lang="zh-CN" altLang="en-US" dirty="0"/>
+          </a:p>
+        </p:txBody>
+      </p:sp>
+      <p:sp>
+        <p:nvSpPr>
+          <p:cNvPr id="3" name="内容占位符 2"/>
+          <p:cNvSpPr>
+            <a:spLocks noGrp="1"/>
+          </p:cNvSpPr>
+          <p:nvPr>
+            <p:ph idx="1"/>
+          </p:nvPr>
+        </p:nvSpPr>
+        <p:spPr/>
+        <p:txBody>
+          <a:bodyPr>
+            <a:normAutofit fontScale="85000" lnSpcReduction="20000"/>
+          </a:bodyPr>
+          <a:lstStyle/>
+          <a:p>
+            <a:r>
+              <a:rPr lang="en-US" altLang="zh-CN" dirty="0"/>
+              <a:t>/</a:t>
+            </a:r>
+            <a:r>
+              <a:rPr lang="en-US" altLang="zh-CN" dirty="0" err="1" smtClean="0"/>
+              <a:t>prodcuts</a:t>
+            </a:r>
+            <a:r>
+              <a:rPr lang="en-US" altLang="zh-CN" dirty="0" smtClean="0"/>
+              <a:t>/</a:t>
+            </a:r>
+            <a:r>
+              <a:rPr lang="en-US" altLang="zh-CN" dirty="0" err="1" smtClean="0"/>
+              <a:t>getDetail</a:t>
+            </a:r>
+            <a:r>
+              <a:rPr lang="en-US" altLang="zh-CN" dirty="0" smtClean="0"/>
+              <a:t>/1234</a:t>
+            </a:r>
+          </a:p>
+          <a:p>
+            <a:endParaRPr lang="en-US" altLang="zh-CN" dirty="0"/>
+          </a:p>
+          <a:p>
+            <a:pPr marL="0" indent="0">
+              <a:buNone/>
+            </a:pPr>
+            <a:r>
+              <a:rPr lang="en-US" altLang="zh-CN" dirty="0"/>
+              <a:t>@</a:t>
+            </a:r>
+            <a:r>
+              <a:rPr lang="en-US" altLang="zh-CN" dirty="0" err="1"/>
+              <a:t>RequestMapping</a:t>
+            </a:r>
+            <a:r>
+              <a:rPr lang="en-US" altLang="zh-CN" dirty="0"/>
+              <a:t>("/</a:t>
+            </a:r>
+            <a:r>
+              <a:rPr lang="en-US" altLang="zh-CN" dirty="0" err="1"/>
+              <a:t>getDetail</a:t>
+            </a:r>
+            <a:r>
+              <a:rPr lang="en-US" altLang="zh-CN" dirty="0"/>
+              <a:t>/{id}")</a:t>
+            </a:r>
+          </a:p>
+          <a:p>
+            <a:pPr marL="0" indent="0">
+              <a:buNone/>
+            </a:pPr>
+            <a:r>
+              <a:rPr lang="en-US" altLang="zh-CN" dirty="0"/>
+              <a:t>public </a:t>
+            </a:r>
+            <a:r>
+              <a:rPr lang="en-US" altLang="zh-CN" dirty="0" err="1"/>
+              <a:t>ModelAndView</a:t>
+            </a:r>
+            <a:r>
+              <a:rPr lang="en-US" altLang="zh-CN" dirty="0"/>
+              <a:t> </a:t>
+            </a:r>
+            <a:r>
+              <a:rPr lang="en-US" altLang="zh-CN" dirty="0" err="1"/>
+              <a:t>getProductDetail</a:t>
+            </a:r>
+            <a:r>
+              <a:rPr lang="en-US" altLang="zh-CN" dirty="0"/>
+              <a:t>(</a:t>
+            </a:r>
+          </a:p>
+          <a:p>
+            <a:pPr marL="0" indent="0">
+              <a:buNone/>
+            </a:pPr>
+            <a:r>
+              <a:rPr lang="en-US" altLang="zh-CN" dirty="0"/>
+              <a:t>    @</a:t>
+            </a:r>
+            <a:r>
+              <a:rPr lang="en-US" altLang="zh-CN" dirty="0" err="1"/>
+              <a:t>PathVariable</a:t>
+            </a:r>
+            <a:r>
+              <a:rPr lang="en-US" altLang="zh-CN" dirty="0"/>
+              <a:t>("id") String id) </a:t>
+            </a:r>
+          </a:p>
+          <a:p>
+            <a:pPr marL="0" indent="0">
+              <a:buNone/>
+            </a:pPr>
+            <a:r>
+              <a:rPr lang="en-US" altLang="zh-CN" dirty="0"/>
+              <a:t>{</a:t>
+            </a:r>
+          </a:p>
+          <a:p>
+            <a:pPr marL="0" indent="0">
+              <a:buNone/>
+            </a:pPr>
+            <a:r>
+              <a:rPr lang="en-US" altLang="zh-CN" dirty="0"/>
+              <a:t>  Product </a:t>
+            </a:r>
+            <a:r>
+              <a:rPr lang="en-US" altLang="zh-CN" dirty="0" err="1"/>
+              <a:t>product</a:t>
+            </a:r>
+            <a:r>
+              <a:rPr lang="en-US" altLang="zh-CN" dirty="0"/>
+              <a:t> = </a:t>
+            </a:r>
+            <a:r>
+              <a:rPr lang="en-US" altLang="zh-CN" dirty="0" err="1"/>
+              <a:t>productService.get</a:t>
+            </a:r>
+            <a:r>
+              <a:rPr lang="en-US" altLang="zh-CN" dirty="0"/>
+              <a:t>(id);</a:t>
+            </a:r>
+          </a:p>
+          <a:p>
+            <a:pPr marL="0" indent="0">
+              <a:buNone/>
+            </a:pPr>
+            <a:r>
+              <a:rPr lang="en-US" altLang="zh-CN" dirty="0"/>
+              <a:t>  </a:t>
+            </a:r>
+            <a:r>
+              <a:rPr lang="en-US" altLang="zh-CN" dirty="0" err="1"/>
+              <a:t>ModelAndView</a:t>
+            </a:r>
+            <a:r>
+              <a:rPr lang="en-US" altLang="zh-CN" dirty="0"/>
+              <a:t> model = </a:t>
+            </a:r>
+          </a:p>
+          <a:p>
+            <a:pPr marL="0" indent="0">
+              <a:buNone/>
+            </a:pPr>
+            <a:r>
+              <a:rPr lang="en-US" altLang="zh-CN" dirty="0"/>
+              <a:t>    new </a:t>
+            </a:r>
+            <a:r>
+              <a:rPr lang="en-US" altLang="zh-CN" dirty="0" err="1"/>
+              <a:t>ModelAndView</a:t>
+            </a:r>
+            <a:r>
+              <a:rPr lang="en-US" altLang="zh-CN" dirty="0"/>
+              <a:t>("</a:t>
+            </a:r>
+            <a:r>
+              <a:rPr lang="en-US" altLang="zh-CN" dirty="0" err="1"/>
+              <a:t>ProductDetails</a:t>
+            </a:r>
+            <a:r>
+              <a:rPr lang="en-US" altLang="zh-CN" dirty="0"/>
+              <a:t>", "product", product);</a:t>
+            </a:r>
+          </a:p>
+          <a:p>
+            <a:pPr marL="0" indent="0">
+              <a:buNone/>
+            </a:pPr>
+            <a:r>
+              <a:rPr lang="en-US" altLang="zh-CN" dirty="0"/>
+              <a:t>}	</a:t>
+            </a:r>
+          </a:p>
+          <a:p>
+            <a:pPr marL="0" indent="0">
+              <a:buNone/>
+            </a:pPr>
+            <a:endParaRPr lang="zh-CN" altLang="en-US" dirty="0"/>
+          </a:p>
+        </p:txBody>
+      </p:sp>
+    </p:spTree>
+    <p:extLst>
+      <p:ext uri="{BB962C8B-B14F-4D97-AF65-F5344CB8AC3E}">
+        <p14:creationId xmlns:p14="http://schemas.microsoft.com/office/powerpoint/2010/main" val="2750753660"/>
+      </p:ext>
+    </p:extLst>
+  </p:cSld>
+  <p:clrMapOvr>
+    <a:masterClrMapping/>
+  </p:clrMapOvr>
+  <p:timing>
+    <p:tnLst>
+      <p:par>
+        <p:cTn id="1" dur="indefinite" restart="never" nodeType="tmRoot"/>
+      </p:par>
+    </p:tnLst>
+  </p:timing>
+</p:sld>
+</file>
+
+<file path=ppt/slides/slide14.xml><?xml version="1.0" encoding="utf-8"?>
+<p:sld xmlns:a="http://schemas.openxmlformats.org/drawingml/2006/main" xmlns:r="http://schemas.openxmlformats.org/officeDocument/2006/relationships" xmlns:p="http://schemas.openxmlformats.org/presentationml/2006/main">
+  <p:cSld>
+    <p:spTree>
+      <p:nvGrpSpPr>
+        <p:cNvPr id="1" name=""/>
+        <p:cNvGrpSpPr/>
+        <p:nvPr/>
+      </p:nvGrpSpPr>
+      <p:grpSpPr>
+        <a:xfrm>
+          <a:off x="0" y="0"/>
+          <a:ext cx="0" cy="0"/>
+          <a:chOff x="0" y="0"/>
+          <a:chExt cx="0" cy="0"/>
+        </a:xfrm>
+      </p:grpSpPr>
+    </p:spTree>
+    <p:extLst>
+      <p:ext uri="{BB962C8B-B14F-4D97-AF65-F5344CB8AC3E}">
+        <p14:creationId xmlns:p14="http://schemas.microsoft.com/office/powerpoint/2010/main" val="3418871224"/>
+      </p:ext>
+    </p:extLst>
+  </p:cSld>
+  <p:clrMapOvr>
+    <a:masterClrMapping/>
+  </p:clrMapOvr>
+  <p:timing>
+    <p:tnLst>
+      <p:par>
+        <p:cTn id="1" dur="indefinite" restart="never" nodeType="tmRoot"/>
+      </p:par>
+    </p:tnLst>
+  </p:timing>
+</p:sld>
+</file>
+
 <file path=ppt/slides/slide2.xml><?xml version="1.0" encoding="utf-8"?>
 <p:sld xmlns:a="http://schemas.openxmlformats.org/drawingml/2006/main" xmlns:r="http://schemas.openxmlformats.org/officeDocument/2006/relationships" xmlns:p="http://schemas.openxmlformats.org/presentationml/2006/main">
   <p:cSld>
@@ -39809,49 +40613,60 @@
           <a:p>
             <a:pPr eaLnBrk="1" hangingPunct="1"/>
             <a:r>
-              <a:rPr lang="en-US" altLang="zh-CN" smtClean="0"/>
-              <a:t>URI</a:t>
+              <a:rPr lang="zh-CN" altLang="en-US" dirty="0" smtClean="0"/>
+              <a:t>每个</a:t>
             </a:r>
             <a:r>
-              <a:rPr lang="zh-CN" altLang="en-US" smtClean="0"/>
-              <a:t>到</a:t>
+              <a:rPr lang="en-US" altLang="zh-CN" dirty="0" smtClean="0"/>
+              <a:t>URL</a:t>
             </a:r>
             <a:r>
-              <a:rPr lang="en-US" altLang="zh-CN" smtClean="0"/>
+              <a:rPr lang="zh-CN" altLang="en-US" dirty="0" smtClean="0"/>
+              <a:t>一个</a:t>
+            </a:r>
+            <a:r>
+              <a:rPr lang="en-US" altLang="zh-CN" dirty="0" smtClean="0"/>
               <a:t>Servlet</a:t>
             </a:r>
             <a:r>
-              <a:rPr lang="zh-CN" altLang="en-US" smtClean="0"/>
-              <a:t>的映射太繁琐</a:t>
+              <a:rPr lang="zh-CN" altLang="en-US" dirty="0" smtClean="0"/>
+              <a:t>，太</a:t>
             </a:r>
-            <a:endParaRPr lang="en-US" altLang="zh-CN" smtClean="0"/>
+            <a:r>
+              <a:rPr lang="zh-CN" altLang="en-US" dirty="0" smtClean="0"/>
+              <a:t>繁琐</a:t>
+            </a:r>
+            <a:endParaRPr lang="en-US" altLang="zh-CN" dirty="0" smtClean="0"/>
           </a:p>
           <a:p>
             <a:pPr eaLnBrk="1" hangingPunct="1"/>
             <a:r>
-              <a:rPr lang="en-US" altLang="zh-CN" smtClean="0"/>
+              <a:rPr lang="en-US" altLang="zh-CN" dirty="0" err="1" smtClean="0"/>
               <a:t>HttpServlet</a:t>
             </a:r>
             <a:r>
-              <a:rPr lang="zh-CN" altLang="en-US" smtClean="0"/>
+              <a:rPr lang="zh-CN" altLang="en-US" dirty="0" smtClean="0"/>
               <a:t>污染了代码</a:t>
             </a:r>
-            <a:endParaRPr lang="en-US" altLang="zh-CN" smtClean="0"/>
+            <a:endParaRPr lang="en-US" altLang="zh-CN" dirty="0" smtClean="0"/>
           </a:p>
           <a:p>
             <a:pPr eaLnBrk="1" hangingPunct="1"/>
             <a:r>
-              <a:rPr lang="zh-CN" altLang="en-US" smtClean="0"/>
-              <a:t>安全</a:t>
+              <a:rPr lang="zh-CN" altLang="en-US" dirty="0" smtClean="0"/>
+              <a:t>不利于集中控制</a:t>
             </a:r>
-            <a:endParaRPr lang="en-US" altLang="zh-CN" smtClean="0"/>
+            <a:r>
+              <a:rPr lang="zh-CN" altLang="en-US" dirty="0" smtClean="0"/>
+              <a:t>（安全，事务）</a:t>
+            </a:r>
+            <a:endParaRPr lang="en-US" altLang="zh-CN" dirty="0" smtClean="0"/>
           </a:p>
           <a:p>
-            <a:pPr eaLnBrk="1" hangingPunct="1"/>
-            <a:r>
-              <a:rPr lang="zh-CN" altLang="en-US" smtClean="0"/>
-              <a:t>事务</a:t>
-            </a:r>
+            <a:pPr marL="0" indent="0" eaLnBrk="1" hangingPunct="1">
+              <a:buNone/>
+            </a:pPr>
+            <a:endParaRPr lang="zh-CN" altLang="en-US" dirty="0" smtClean="0"/>
           </a:p>
         </p:txBody>
       </p:sp>
@@ -39881,10 +40696,12 @@
               <a:defRPr/>
             </a:pPr>
             <a:r>
-              <a:rPr lang="en-US" altLang="zh-CN" dirty="0" smtClean="0">
-                <a:ea typeface="宋体" pitchFamily="2" charset="-122"/>
-              </a:rPr>
-              <a:t>MVC</a:t>
+              <a:rPr lang="en-US" altLang="zh-CN" dirty="0" smtClean="0"/>
+              <a:t>Servlet</a:t>
+            </a:r>
+            <a:r>
+              <a:rPr lang="zh-CN" altLang="en-US" dirty="0" smtClean="0"/>
+              <a:t>方法的问题</a:t>
             </a:r>
             <a:endParaRPr lang="zh-CN" altLang="en-US" dirty="0"/>
           </a:p>
@@ -39911,159 +40728,6 @@
 </file>
 
 <file path=ppt/slides/slide3.xml><?xml version="1.0" encoding="utf-8"?>
-<p:sld xmlns:a="http://schemas.openxmlformats.org/drawingml/2006/main" xmlns:r="http://schemas.openxmlformats.org/officeDocument/2006/relationships" xmlns:p="http://schemas.openxmlformats.org/presentationml/2006/main">
-  <p:cSld>
-    <p:spTree>
-      <p:nvGrpSpPr>
-        <p:cNvPr id="1" name=""/>
-        <p:cNvGrpSpPr/>
-        <p:nvPr/>
-      </p:nvGrpSpPr>
-      <p:grpSpPr>
-        <a:xfrm>
-          <a:off x="0" y="0"/>
-          <a:ext cx="0" cy="0"/>
-          <a:chOff x="0" y="0"/>
-          <a:chExt cx="0" cy="0"/>
-        </a:xfrm>
-      </p:grpSpPr>
-      <p:sp>
-        <p:nvSpPr>
-          <p:cNvPr id="28674" name="内容占位符 1"/>
-          <p:cNvSpPr>
-            <a:spLocks noGrp="1"/>
-          </p:cNvSpPr>
-          <p:nvPr>
-            <p:ph idx="1"/>
-          </p:nvPr>
-        </p:nvSpPr>
-        <p:spPr>
-          <a:xfrm>
-            <a:off x="428625" y="1143000"/>
-            <a:ext cx="8429625" cy="4525963"/>
-          </a:xfrm>
-        </p:spPr>
-        <p:txBody>
-          <a:bodyPr/>
-          <a:lstStyle/>
-          <a:p>
-            <a:pPr eaLnBrk="1" hangingPunct="1"/>
-            <a:endParaRPr lang="zh-CN" altLang="en-US" sz="2400" dirty="0" smtClean="0"/>
-          </a:p>
-        </p:txBody>
-      </p:sp>
-      <p:sp>
-        <p:nvSpPr>
-          <p:cNvPr id="3" name="标题 2"/>
-          <p:cNvSpPr>
-            <a:spLocks noGrp="1"/>
-          </p:cNvSpPr>
-          <p:nvPr>
-            <p:ph type="title"/>
-          </p:nvPr>
-        </p:nvSpPr>
-        <p:spPr>
-          <a:xfrm>
-            <a:off x="34925" y="188913"/>
-            <a:ext cx="8229600" cy="571500"/>
-          </a:xfrm>
-        </p:spPr>
-        <p:txBody>
-          <a:bodyPr>
-            <a:normAutofit fontScale="90000"/>
-          </a:bodyPr>
-          <a:lstStyle/>
-          <a:p>
-            <a:pPr eaLnBrk="1" hangingPunct="1">
-              <a:defRPr/>
-            </a:pPr>
-            <a:r>
-              <a:rPr lang="en-US" altLang="zh-CN" dirty="0" err="1" smtClean="0"/>
-              <a:t>DispatchServlet</a:t>
-            </a:r>
-            <a:r>
-              <a:rPr lang="en-US" altLang="zh-CN" dirty="0" smtClean="0"/>
-              <a:t> &amp; MVC</a:t>
-            </a:r>
-            <a:endParaRPr lang="zh-CN" altLang="en-US" dirty="0"/>
-          </a:p>
-        </p:txBody>
-      </p:sp>
-      <p:pic>
-        <p:nvPicPr>
-          <p:cNvPr id="28676" name="Picture 6"/>
-          <p:cNvPicPr>
-            <a:picLocks noChangeAspect="1" noChangeArrowheads="1"/>
-          </p:cNvPicPr>
-          <p:nvPr/>
-        </p:nvPicPr>
-        <p:blipFill>
-          <a:blip r:embed="rId2">
-            <a:extLst>
-              <a:ext uri="{28A0092B-C50C-407E-A947-70E740481C1C}">
-                <a14:useLocalDpi xmlns:a14="http://schemas.microsoft.com/office/drawing/2010/main" val="0"/>
-              </a:ext>
-            </a:extLst>
-          </a:blip>
-          <a:srcRect/>
-          <a:stretch>
-            <a:fillRect/>
-          </a:stretch>
-        </p:blipFill>
-        <p:spPr bwMode="auto">
-          <a:xfrm>
-            <a:off x="381000" y="1484784"/>
-            <a:ext cx="8443913" cy="3603625"/>
-          </a:xfrm>
-          <a:prstGeom prst="rect">
-            <a:avLst/>
-          </a:prstGeom>
-          <a:noFill/>
-          <a:ln>
-            <a:noFill/>
-          </a:ln>
-          <a:extLst>
-            <a:ext uri="{909E8E84-426E-40DD-AFC4-6F175D3DCCD1}">
-              <a14:hiddenFill xmlns:a14="http://schemas.microsoft.com/office/drawing/2010/main">
-                <a:solidFill>
-                  <a:srgbClr val="FFFFFF"/>
-                </a:solidFill>
-              </a14:hiddenFill>
-            </a:ext>
-            <a:ext uri="{91240B29-F687-4F45-9708-019B960494DF}">
-              <a14:hiddenLine xmlns:a14="http://schemas.microsoft.com/office/drawing/2010/main" w="9525" algn="ctr">
-                <a:solidFill>
-                  <a:srgbClr val="000000"/>
-                </a:solidFill>
-                <a:miter lim="800000"/>
-                <a:headEnd/>
-                <a:tailEnd/>
-              </a14:hiddenLine>
-            </a:ext>
-          </a:extLst>
-        </p:spPr>
-      </p:pic>
-    </p:spTree>
-    <p:extLst>
-      <p:ext uri="{BB962C8B-B14F-4D97-AF65-F5344CB8AC3E}">
-        <p14:creationId xmlns:p14="http://schemas.microsoft.com/office/powerpoint/2010/main" val="4172537215"/>
-      </p:ext>
-    </p:extLst>
-  </p:cSld>
-  <p:clrMapOvr>
-    <a:masterClrMapping/>
-  </p:clrMapOvr>
-  <p:timing>
-    <p:tnLst>
-      <p:par>
-        <p:cTn id="1" dur="indefinite" restart="never" nodeType="tmRoot"/>
-      </p:par>
-    </p:tnLst>
-  </p:timing>
-</p:sld>
-</file>
-
-<file path=ppt/slides/slide4.xml><?xml version="1.0" encoding="utf-8"?>
 <p:sld xmlns:a="http://schemas.openxmlformats.org/drawingml/2006/main" xmlns:r="http://schemas.openxmlformats.org/officeDocument/2006/relationships" xmlns:p="http://schemas.openxmlformats.org/presentationml/2006/main">
   <p:cSld>
     <p:spTree>
@@ -40197,7 +40861,7 @@
 </p:sld>
 </file>
 
-<file path=ppt/slides/slide5.xml><?xml version="1.0" encoding="utf-8"?>
+<file path=ppt/slides/slide4.xml><?xml version="1.0" encoding="utf-8"?>
 <p:sld xmlns:a="http://schemas.openxmlformats.org/drawingml/2006/main" xmlns:r="http://schemas.openxmlformats.org/officeDocument/2006/relationships" xmlns:p="http://schemas.openxmlformats.org/presentationml/2006/main">
   <p:cSld>
     <p:spTree>
@@ -40346,6 +41010,145 @@
 </p:sld>
 </file>
 
+<file path=ppt/slides/slide5.xml><?xml version="1.0" encoding="utf-8"?>
+<p:sld xmlns:a="http://schemas.openxmlformats.org/drawingml/2006/main" xmlns:r="http://schemas.openxmlformats.org/officeDocument/2006/relationships" xmlns:p="http://schemas.openxmlformats.org/presentationml/2006/main">
+  <p:cSld>
+    <p:spTree>
+      <p:nvGrpSpPr>
+        <p:cNvPr id="1" name=""/>
+        <p:cNvGrpSpPr/>
+        <p:nvPr/>
+      </p:nvGrpSpPr>
+      <p:grpSpPr>
+        <a:xfrm>
+          <a:off x="0" y="0"/>
+          <a:ext cx="0" cy="0"/>
+          <a:chOff x="0" y="0"/>
+          <a:chExt cx="0" cy="0"/>
+        </a:xfrm>
+      </p:grpSpPr>
+      <p:sp>
+        <p:nvSpPr>
+          <p:cNvPr id="2" name="标题 1"/>
+          <p:cNvSpPr>
+            <a:spLocks noGrp="1"/>
+          </p:cNvSpPr>
+          <p:nvPr>
+            <p:ph type="title"/>
+          </p:nvPr>
+        </p:nvSpPr>
+        <p:spPr/>
+        <p:txBody>
+          <a:bodyPr>
+            <a:normAutofit fontScale="90000"/>
+          </a:bodyPr>
+          <a:lstStyle/>
+          <a:p>
+            <a:r>
+              <a:rPr lang="en-US" altLang="zh-CN" dirty="0" smtClean="0"/>
+              <a:t>MVC</a:t>
+            </a:r>
+            <a:r>
+              <a:rPr lang="zh-CN" altLang="en-US" dirty="0" smtClean="0"/>
+              <a:t>实例</a:t>
+            </a:r>
+            <a:endParaRPr lang="zh-CN" altLang="en-US" dirty="0"/>
+          </a:p>
+        </p:txBody>
+      </p:sp>
+      <p:sp>
+        <p:nvSpPr>
+          <p:cNvPr id="3" name="内容占位符 2"/>
+          <p:cNvSpPr>
+            <a:spLocks noGrp="1"/>
+          </p:cNvSpPr>
+          <p:nvPr>
+            <p:ph idx="1"/>
+          </p:nvPr>
+        </p:nvSpPr>
+        <p:spPr/>
+        <p:txBody>
+          <a:bodyPr/>
+          <a:lstStyle/>
+          <a:p>
+            <a:endParaRPr lang="zh-CN" altLang="en-US"/>
+          </a:p>
+        </p:txBody>
+      </p:sp>
+      <p:pic>
+        <p:nvPicPr>
+          <p:cNvPr id="2050" name="Picture 2"/>
+          <p:cNvPicPr>
+            <a:picLocks noChangeAspect="1" noChangeArrowheads="1"/>
+          </p:cNvPicPr>
+          <p:nvPr/>
+        </p:nvPicPr>
+        <p:blipFill>
+          <a:blip r:embed="rId2">
+            <a:extLst>
+              <a:ext uri="{28A0092B-C50C-407E-A947-70E740481C1C}">
+                <a14:useLocalDpi xmlns:a14="http://schemas.microsoft.com/office/drawing/2010/main" val="0"/>
+              </a:ext>
+            </a:extLst>
+          </a:blip>
+          <a:srcRect/>
+          <a:stretch>
+            <a:fillRect/>
+          </a:stretch>
+        </p:blipFill>
+        <p:spPr bwMode="auto">
+          <a:xfrm>
+            <a:off x="795337" y="1556792"/>
+            <a:ext cx="7553325" cy="4276725"/>
+          </a:xfrm>
+          <a:prstGeom prst="rect">
+            <a:avLst/>
+          </a:prstGeom>
+          <a:noFill/>
+          <a:ln>
+            <a:noFill/>
+          </a:ln>
+          <a:extLst>
+            <a:ext uri="{909E8E84-426E-40DD-AFC4-6F175D3DCCD1}">
+              <a14:hiddenFill xmlns:a14="http://schemas.microsoft.com/office/drawing/2010/main">
+                <a:solidFill>
+                  <a:schemeClr val="accent1"/>
+                </a:solidFill>
+              </a14:hiddenFill>
+            </a:ext>
+            <a:ext uri="{91240B29-F687-4F45-9708-019B960494DF}">
+              <a14:hiddenLine xmlns:a14="http://schemas.microsoft.com/office/drawing/2010/main" w="9525">
+                <a:solidFill>
+                  <a:schemeClr val="tx1"/>
+                </a:solidFill>
+                <a:miter lim="800000"/>
+                <a:headEnd/>
+                <a:tailEnd/>
+              </a14:hiddenLine>
+            </a:ext>
+          </a:extLst>
+        </p:spPr>
+      </p:pic>
+    </p:spTree>
+    <p:extLst>
+      <p:ext uri="{BB962C8B-B14F-4D97-AF65-F5344CB8AC3E}">
+        <p14:creationId xmlns:p14="http://schemas.microsoft.com/office/powerpoint/2010/main" val="4135451530"/>
+      </p:ext>
+    </p:extLst>
+  </p:cSld>
+  <p:clrMapOvr>
+    <a:masterClrMapping/>
+  </p:clrMapOvr>
+  <p:timing>
+    <p:tnLst>
+      <p:par>
+        <p:cTn id="1" dur="indefinite" restart="never" nodeType="tmRoot"/>
+      </p:par>
+    </p:tnLst>
+  </p:timing>
+</p:sld>
+</file>
+
 <file path=ppt/slides/slide6.xml><?xml version="1.0" encoding="utf-8"?>
 <p:sld xmlns:a="http://schemas.openxmlformats.org/drawingml/2006/main" xmlns:r="http://schemas.openxmlformats.org/officeDocument/2006/relationships" xmlns:p="http://schemas.openxmlformats.org/presentationml/2006/main">
   <p:cSld>
@@ -40363,10 +41166,763 @@
           <a:chExt cx="0" cy="0"/>
         </a:xfrm>
       </p:grpSpPr>
+      <p:sp>
+        <p:nvSpPr>
+          <p:cNvPr id="2" name="标题 1"/>
+          <p:cNvSpPr>
+            <a:spLocks noGrp="1"/>
+          </p:cNvSpPr>
+          <p:nvPr>
+            <p:ph type="title"/>
+          </p:nvPr>
+        </p:nvSpPr>
+        <p:spPr/>
+        <p:txBody>
+          <a:bodyPr>
+            <a:normAutofit fontScale="90000"/>
+          </a:bodyPr>
+          <a:lstStyle/>
+          <a:p>
+            <a:r>
+              <a:rPr lang="en-US" altLang="zh-CN" dirty="0"/>
+              <a:t>MVC</a:t>
+            </a:r>
+            <a:r>
+              <a:rPr lang="zh-CN" altLang="en-US" dirty="0" smtClean="0"/>
+              <a:t>实例的改进</a:t>
+            </a:r>
+            <a:endParaRPr lang="zh-CN" altLang="en-US" dirty="0"/>
+          </a:p>
+        </p:txBody>
+      </p:sp>
+      <p:sp>
+        <p:nvSpPr>
+          <p:cNvPr id="3" name="内容占位符 2"/>
+          <p:cNvSpPr>
+            <a:spLocks noGrp="1"/>
+          </p:cNvSpPr>
+          <p:nvPr>
+            <p:ph idx="1"/>
+          </p:nvPr>
+        </p:nvSpPr>
+        <p:spPr/>
+        <p:txBody>
+          <a:bodyPr/>
+          <a:lstStyle/>
+          <a:p>
+            <a:r>
+              <a:rPr lang="zh-CN" altLang="en-US" dirty="0" smtClean="0"/>
+              <a:t>使控制器不依赖于平台的类</a:t>
+            </a:r>
+            <a:endParaRPr lang="en-US" altLang="zh-CN" dirty="0" smtClean="0"/>
+          </a:p>
+          <a:p>
+            <a:r>
+              <a:rPr lang="zh-CN" altLang="en-US" dirty="0" smtClean="0"/>
+              <a:t>便于测试</a:t>
+            </a:r>
+            <a:endParaRPr lang="zh-CN" altLang="en-US" dirty="0"/>
+          </a:p>
+        </p:txBody>
+      </p:sp>
     </p:spTree>
     <p:extLst>
       <p:ext uri="{BB962C8B-B14F-4D97-AF65-F5344CB8AC3E}">
-        <p14:creationId xmlns:p14="http://schemas.microsoft.com/office/powerpoint/2010/main" val="3418871224"/>
+        <p14:creationId xmlns:p14="http://schemas.microsoft.com/office/powerpoint/2010/main" val="1755848662"/>
+      </p:ext>
+    </p:extLst>
+  </p:cSld>
+  <p:clrMapOvr>
+    <a:masterClrMapping/>
+  </p:clrMapOvr>
+  <p:timing>
+    <p:tnLst>
+      <p:par>
+        <p:cTn id="1" dur="indefinite" restart="never" nodeType="tmRoot"/>
+      </p:par>
+    </p:tnLst>
+  </p:timing>
+</p:sld>
+</file>
+
+<file path=ppt/slides/slide7.xml><?xml version="1.0" encoding="utf-8"?>
+<p:sld xmlns:a="http://schemas.openxmlformats.org/drawingml/2006/main" xmlns:r="http://schemas.openxmlformats.org/officeDocument/2006/relationships" xmlns:p="http://schemas.openxmlformats.org/presentationml/2006/main">
+  <p:cSld>
+    <p:spTree>
+      <p:nvGrpSpPr>
+        <p:cNvPr id="1" name=""/>
+        <p:cNvGrpSpPr/>
+        <p:nvPr/>
+      </p:nvGrpSpPr>
+      <p:grpSpPr>
+        <a:xfrm>
+          <a:off x="0" y="0"/>
+          <a:ext cx="0" cy="0"/>
+          <a:chOff x="0" y="0"/>
+          <a:chExt cx="0" cy="0"/>
+        </a:xfrm>
+      </p:grpSpPr>
+      <p:sp>
+        <p:nvSpPr>
+          <p:cNvPr id="2" name="标题 1"/>
+          <p:cNvSpPr>
+            <a:spLocks noGrp="1"/>
+          </p:cNvSpPr>
+          <p:nvPr>
+            <p:ph type="title"/>
+          </p:nvPr>
+        </p:nvSpPr>
+        <p:spPr/>
+        <p:txBody>
+          <a:bodyPr>
+            <a:normAutofit fontScale="90000"/>
+          </a:bodyPr>
+          <a:lstStyle/>
+          <a:p>
+            <a:r>
+              <a:rPr lang="zh-CN" altLang="en-US" dirty="0" smtClean="0"/>
+              <a:t>控制器的改进</a:t>
+            </a:r>
+            <a:endParaRPr lang="zh-CN" altLang="en-US" dirty="0"/>
+          </a:p>
+        </p:txBody>
+      </p:sp>
+      <p:sp>
+        <p:nvSpPr>
+          <p:cNvPr id="3" name="内容占位符 2"/>
+          <p:cNvSpPr>
+            <a:spLocks noGrp="1"/>
+          </p:cNvSpPr>
+          <p:nvPr>
+            <p:ph idx="1"/>
+          </p:nvPr>
+        </p:nvSpPr>
+        <p:spPr/>
+        <p:txBody>
+          <a:bodyPr>
+            <a:normAutofit lnSpcReduction="10000"/>
+          </a:bodyPr>
+          <a:lstStyle/>
+          <a:p>
+            <a:r>
+              <a:rPr lang="zh-CN" altLang="en-US" dirty="0" smtClean="0"/>
+              <a:t>标识一下控制器，这样</a:t>
+            </a:r>
+            <a:r>
+              <a:rPr lang="en-US" altLang="zh-CN" dirty="0" err="1"/>
+              <a:t>DispatcherServlet</a:t>
+            </a:r>
+            <a:r>
+              <a:rPr lang="zh-CN" altLang="en-US" dirty="0" smtClean="0"/>
+              <a:t>可以处理处理的控制器</a:t>
+            </a:r>
+            <a:endParaRPr lang="en-US" altLang="zh-CN" dirty="0" smtClean="0"/>
+          </a:p>
+          <a:p>
+            <a:pPr marL="0" indent="0">
+              <a:buNone/>
+            </a:pPr>
+            <a:endParaRPr lang="en-US" altLang="zh-CN" dirty="0" smtClean="0"/>
+          </a:p>
+          <a:p>
+            <a:pPr marL="0" indent="0">
+              <a:buNone/>
+            </a:pPr>
+            <a:r>
+              <a:rPr lang="en-US" altLang="zh-CN" dirty="0" smtClean="0"/>
+              <a:t>@Controller</a:t>
+            </a:r>
+            <a:endParaRPr lang="en-US" altLang="zh-CN" dirty="0"/>
+          </a:p>
+          <a:p>
+            <a:pPr marL="0" indent="0">
+              <a:buNone/>
+            </a:pPr>
+            <a:r>
+              <a:rPr lang="en-US" altLang="zh-CN" dirty="0"/>
+              <a:t>public class </a:t>
+            </a:r>
+            <a:r>
+              <a:rPr lang="en-US" altLang="zh-CN" dirty="0" err="1"/>
+              <a:t>SaveProductController</a:t>
+            </a:r>
+            <a:r>
+              <a:rPr lang="en-US" altLang="zh-CN" dirty="0"/>
+              <a:t> </a:t>
+            </a:r>
+            <a:r>
+              <a:rPr lang="en-US" altLang="zh-CN" dirty="0" smtClean="0"/>
+              <a:t>{ … }</a:t>
+            </a:r>
+          </a:p>
+          <a:p>
+            <a:pPr marL="0" indent="0">
+              <a:buNone/>
+            </a:pPr>
+            <a:endParaRPr lang="en-US" altLang="zh-CN" dirty="0" smtClean="0"/>
+          </a:p>
+          <a:p>
+            <a:pPr marL="0" indent="0">
+              <a:buNone/>
+            </a:pPr>
+            <a:r>
+              <a:rPr lang="en-US" altLang="zh-CN" dirty="0" smtClean="0"/>
+              <a:t>@Controller</a:t>
+            </a:r>
+            <a:endParaRPr lang="en-US" altLang="zh-CN" dirty="0"/>
+          </a:p>
+          <a:p>
+            <a:pPr marL="0" indent="0">
+              <a:buNone/>
+            </a:pPr>
+            <a:r>
+              <a:rPr lang="en-US" altLang="zh-CN" dirty="0"/>
+              <a:t>public class </a:t>
+            </a:r>
+            <a:r>
+              <a:rPr lang="en-US" altLang="zh-CN" dirty="0" err="1"/>
+              <a:t>InputProductController</a:t>
+            </a:r>
+            <a:r>
+              <a:rPr lang="en-US" altLang="zh-CN" dirty="0"/>
+              <a:t> </a:t>
+            </a:r>
+            <a:r>
+              <a:rPr lang="en-US" altLang="zh-CN" dirty="0" smtClean="0"/>
+              <a:t>{ …. }</a:t>
+            </a:r>
+            <a:endParaRPr lang="zh-CN" altLang="en-US" dirty="0"/>
+          </a:p>
+        </p:txBody>
+      </p:sp>
+    </p:spTree>
+    <p:extLst>
+      <p:ext uri="{BB962C8B-B14F-4D97-AF65-F5344CB8AC3E}">
+        <p14:creationId xmlns:p14="http://schemas.microsoft.com/office/powerpoint/2010/main" val="464619732"/>
+      </p:ext>
+    </p:extLst>
+  </p:cSld>
+  <p:clrMapOvr>
+    <a:masterClrMapping/>
+  </p:clrMapOvr>
+  <p:timing>
+    <p:tnLst>
+      <p:par>
+        <p:cTn id="1" dur="indefinite" restart="never" nodeType="tmRoot"/>
+      </p:par>
+    </p:tnLst>
+  </p:timing>
+</p:sld>
+</file>
+
+<file path=ppt/slides/slide8.xml><?xml version="1.0" encoding="utf-8"?>
+<p:sld xmlns:a="http://schemas.openxmlformats.org/drawingml/2006/main" xmlns:r="http://schemas.openxmlformats.org/officeDocument/2006/relationships" xmlns:p="http://schemas.openxmlformats.org/presentationml/2006/main">
+  <p:cSld>
+    <p:spTree>
+      <p:nvGrpSpPr>
+        <p:cNvPr id="1" name=""/>
+        <p:cNvGrpSpPr/>
+        <p:nvPr/>
+      </p:nvGrpSpPr>
+      <p:grpSpPr>
+        <a:xfrm>
+          <a:off x="0" y="0"/>
+          <a:ext cx="0" cy="0"/>
+          <a:chOff x="0" y="0"/>
+          <a:chExt cx="0" cy="0"/>
+        </a:xfrm>
+      </p:grpSpPr>
+      <p:sp>
+        <p:nvSpPr>
+          <p:cNvPr id="2" name="标题 1"/>
+          <p:cNvSpPr>
+            <a:spLocks noGrp="1"/>
+          </p:cNvSpPr>
+          <p:nvPr>
+            <p:ph type="title"/>
+          </p:nvPr>
+        </p:nvSpPr>
+        <p:spPr/>
+        <p:txBody>
+          <a:bodyPr>
+            <a:normAutofit fontScale="90000"/>
+          </a:bodyPr>
+          <a:lstStyle/>
+          <a:p>
+            <a:r>
+              <a:rPr lang="zh-CN" altLang="en-US" dirty="0" smtClean="0"/>
+              <a:t>请求处理方法的</a:t>
+            </a:r>
+            <a:r>
+              <a:rPr lang="zh-CN" altLang="en-US" dirty="0"/>
+              <a:t>改进</a:t>
+            </a:r>
+          </a:p>
+        </p:txBody>
+      </p:sp>
+      <p:sp>
+        <p:nvSpPr>
+          <p:cNvPr id="3" name="内容占位符 2"/>
+          <p:cNvSpPr>
+            <a:spLocks noGrp="1"/>
+          </p:cNvSpPr>
+          <p:nvPr>
+            <p:ph idx="1"/>
+          </p:nvPr>
+        </p:nvSpPr>
+        <p:spPr>
+          <a:xfrm>
+            <a:off x="323528" y="908720"/>
+            <a:ext cx="8136904" cy="5400600"/>
+          </a:xfrm>
+        </p:spPr>
+        <p:txBody>
+          <a:bodyPr>
+            <a:normAutofit fontScale="70000" lnSpcReduction="20000"/>
+          </a:bodyPr>
+          <a:lstStyle/>
+          <a:p>
+            <a:r>
+              <a:rPr lang="zh-CN" altLang="en-US" dirty="0"/>
+              <a:t>一</a:t>
+            </a:r>
+            <a:r>
+              <a:rPr lang="zh-CN" altLang="en-US" dirty="0" smtClean="0"/>
+              <a:t>个控制器可以处理多个请求 </a:t>
+            </a:r>
+            <a:r>
+              <a:rPr lang="en-US" altLang="zh-CN" dirty="0" smtClean="0"/>
+              <a:t>– </a:t>
+            </a:r>
+            <a:r>
+              <a:rPr lang="zh-CN" altLang="en-US" dirty="0" smtClean="0"/>
+              <a:t>请求处理方法的改进</a:t>
+            </a:r>
+            <a:endParaRPr lang="en-US" altLang="zh-CN" dirty="0" smtClean="0"/>
+          </a:p>
+          <a:p>
+            <a:pPr marL="0" indent="0">
+              <a:buNone/>
+            </a:pPr>
+            <a:r>
+              <a:rPr lang="en-US" altLang="zh-CN" dirty="0"/>
+              <a:t>@Controller</a:t>
+            </a:r>
+          </a:p>
+          <a:p>
+            <a:pPr marL="0" indent="0">
+              <a:buNone/>
+            </a:pPr>
+            <a:r>
+              <a:rPr lang="en-US" altLang="zh-CN" dirty="0"/>
+              <a:t>@</a:t>
+            </a:r>
+            <a:r>
+              <a:rPr lang="en-US" altLang="zh-CN" dirty="0" err="1"/>
+              <a:t>RequestMapping</a:t>
+            </a:r>
+            <a:r>
+              <a:rPr lang="en-US" altLang="zh-CN" dirty="0"/>
+              <a:t>("/products")</a:t>
+            </a:r>
+          </a:p>
+          <a:p>
+            <a:pPr marL="0" indent="0">
+              <a:buNone/>
+            </a:pPr>
+            <a:r>
+              <a:rPr lang="en-US" altLang="zh-CN" dirty="0"/>
+              <a:t>public class </a:t>
+            </a:r>
+            <a:r>
+              <a:rPr lang="en-US" altLang="zh-CN" dirty="0" err="1"/>
+              <a:t>ProductController</a:t>
+            </a:r>
+            <a:r>
+              <a:rPr lang="en-US" altLang="zh-CN" dirty="0"/>
+              <a:t> {</a:t>
+            </a:r>
+          </a:p>
+          <a:p>
+            <a:pPr marL="0" indent="0">
+              <a:buNone/>
+            </a:pPr>
+            <a:r>
+              <a:rPr lang="en-US" altLang="zh-CN" dirty="0"/>
+              <a:t>	</a:t>
+            </a:r>
+          </a:p>
+          <a:p>
+            <a:pPr marL="0" indent="0">
+              <a:buNone/>
+            </a:pPr>
+            <a:r>
+              <a:rPr lang="en-US" altLang="zh-CN" dirty="0"/>
+              <a:t>    @</a:t>
+            </a:r>
+            <a:r>
+              <a:rPr lang="en-US" altLang="zh-CN" dirty="0" err="1"/>
+              <a:t>RequestMapping</a:t>
+            </a:r>
+            <a:r>
+              <a:rPr lang="en-US" altLang="zh-CN" dirty="0"/>
+              <a:t>("/</a:t>
+            </a:r>
+            <a:r>
+              <a:rPr lang="en-US" altLang="zh-CN" dirty="0" err="1"/>
+              <a:t>inputFrom</a:t>
+            </a:r>
+            <a:r>
+              <a:rPr lang="en-US" altLang="zh-CN" dirty="0"/>
+              <a:t>")</a:t>
+            </a:r>
+          </a:p>
+          <a:p>
+            <a:pPr marL="0" indent="0">
+              <a:buNone/>
+            </a:pPr>
+            <a:r>
+              <a:rPr lang="en-US" altLang="zh-CN" dirty="0"/>
+              <a:t>    public String </a:t>
+            </a:r>
+            <a:r>
+              <a:rPr lang="en-US" altLang="zh-CN" dirty="0" err="1"/>
+              <a:t>getInputFrom</a:t>
+            </a:r>
+            <a:r>
+              <a:rPr lang="en-US" altLang="zh-CN" dirty="0" smtClean="0"/>
+              <a:t>() </a:t>
+            </a:r>
+            <a:r>
+              <a:rPr lang="en-US" altLang="zh-CN" dirty="0"/>
+              <a:t>{ ..... }</a:t>
+            </a:r>
+          </a:p>
+          <a:p>
+            <a:pPr marL="0" indent="0">
+              <a:buNone/>
+            </a:pPr>
+            <a:endParaRPr lang="en-US" altLang="zh-CN" dirty="0"/>
+          </a:p>
+          <a:p>
+            <a:pPr marL="0" indent="0">
+              <a:buNone/>
+            </a:pPr>
+            <a:r>
+              <a:rPr lang="en-US" altLang="zh-CN" dirty="0"/>
+              <a:t>    @</a:t>
+            </a:r>
+            <a:r>
+              <a:rPr lang="en-US" altLang="zh-CN" dirty="0" err="1"/>
+              <a:t>RequestMapping</a:t>
+            </a:r>
+            <a:r>
+              <a:rPr lang="en-US" altLang="zh-CN" dirty="0"/>
+              <a:t>("/save")</a:t>
+            </a:r>
+          </a:p>
+          <a:p>
+            <a:pPr marL="0" indent="0">
+              <a:buNone/>
+            </a:pPr>
+            <a:r>
+              <a:rPr lang="en-US" altLang="zh-CN" dirty="0"/>
+              <a:t>    public String </a:t>
+            </a:r>
+            <a:r>
+              <a:rPr lang="en-US" altLang="zh-CN" dirty="0" err="1"/>
+              <a:t>saveProduct</a:t>
+            </a:r>
+            <a:r>
+              <a:rPr lang="en-US" altLang="zh-CN" dirty="0"/>
+              <a:t>(.......) { ..... }</a:t>
+            </a:r>
+          </a:p>
+          <a:p>
+            <a:pPr marL="0" indent="0">
+              <a:buNone/>
+            </a:pPr>
+            <a:r>
+              <a:rPr lang="en-US" altLang="zh-CN" dirty="0"/>
+              <a:t>	</a:t>
+            </a:r>
+          </a:p>
+          <a:p>
+            <a:pPr marL="0" indent="0">
+              <a:buNone/>
+            </a:pPr>
+            <a:r>
+              <a:rPr lang="en-US" altLang="zh-CN" dirty="0"/>
+              <a:t>    @</a:t>
+            </a:r>
+            <a:r>
+              <a:rPr lang="en-US" altLang="zh-CN" dirty="0" err="1"/>
+              <a:t>RequestMapping</a:t>
+            </a:r>
+            <a:r>
+              <a:rPr lang="en-US" altLang="zh-CN" dirty="0"/>
+              <a:t>("/list")</a:t>
+            </a:r>
+          </a:p>
+          <a:p>
+            <a:pPr marL="0" indent="0">
+              <a:buNone/>
+            </a:pPr>
+            <a:r>
+              <a:rPr lang="en-US" altLang="zh-CN" dirty="0"/>
+              <a:t>    public String </a:t>
+            </a:r>
+            <a:r>
+              <a:rPr lang="en-US" altLang="zh-CN" dirty="0" err="1"/>
+              <a:t>listProducts</a:t>
+            </a:r>
+            <a:r>
+              <a:rPr lang="en-US" altLang="zh-CN" dirty="0"/>
+              <a:t>(.......) { ..... }</a:t>
+            </a:r>
+          </a:p>
+          <a:p>
+            <a:pPr marL="0" indent="0">
+              <a:buNone/>
+            </a:pPr>
+            <a:r>
+              <a:rPr lang="en-US" altLang="zh-CN" dirty="0"/>
+              <a:t>	</a:t>
+            </a:r>
+          </a:p>
+          <a:p>
+            <a:pPr marL="0" indent="0">
+              <a:buNone/>
+            </a:pPr>
+            <a:r>
+              <a:rPr lang="en-US" altLang="zh-CN" dirty="0"/>
+              <a:t>    public ??? </a:t>
+            </a:r>
+            <a:r>
+              <a:rPr lang="en-US" altLang="zh-CN" dirty="0" err="1"/>
+              <a:t>getProductDetail</a:t>
+            </a:r>
+            <a:r>
+              <a:rPr lang="en-US" altLang="zh-CN" dirty="0"/>
+              <a:t>(...) { ..... }	</a:t>
+            </a:r>
+          </a:p>
+          <a:p>
+            <a:pPr marL="0" indent="0">
+              <a:buNone/>
+            </a:pPr>
+            <a:r>
+              <a:rPr lang="en-US" altLang="zh-CN" dirty="0" smtClean="0"/>
+              <a:t>}</a:t>
+            </a:r>
+            <a:endParaRPr lang="en-US" altLang="zh-CN" dirty="0"/>
+          </a:p>
+        </p:txBody>
+      </p:sp>
+    </p:spTree>
+    <p:extLst>
+      <p:ext uri="{BB962C8B-B14F-4D97-AF65-F5344CB8AC3E}">
+        <p14:creationId xmlns:p14="http://schemas.microsoft.com/office/powerpoint/2010/main" val="857190162"/>
+      </p:ext>
+    </p:extLst>
+  </p:cSld>
+  <p:clrMapOvr>
+    <a:masterClrMapping/>
+  </p:clrMapOvr>
+  <p:timing>
+    <p:tnLst>
+      <p:par>
+        <p:cTn id="1" dur="indefinite" restart="never" nodeType="tmRoot"/>
+      </p:par>
+    </p:tnLst>
+  </p:timing>
+</p:sld>
+</file>
+
+<file path=ppt/slides/slide9.xml><?xml version="1.0" encoding="utf-8"?>
+<p:sld xmlns:a="http://schemas.openxmlformats.org/drawingml/2006/main" xmlns:r="http://schemas.openxmlformats.org/officeDocument/2006/relationships" xmlns:p="http://schemas.openxmlformats.org/presentationml/2006/main">
+  <p:cSld>
+    <p:spTree>
+      <p:nvGrpSpPr>
+        <p:cNvPr id="1" name=""/>
+        <p:cNvGrpSpPr/>
+        <p:nvPr/>
+      </p:nvGrpSpPr>
+      <p:grpSpPr>
+        <a:xfrm>
+          <a:off x="0" y="0"/>
+          <a:ext cx="0" cy="0"/>
+          <a:chOff x="0" y="0"/>
+          <a:chExt cx="0" cy="0"/>
+        </a:xfrm>
+      </p:grpSpPr>
+      <p:sp>
+        <p:nvSpPr>
+          <p:cNvPr id="2" name="标题 1"/>
+          <p:cNvSpPr>
+            <a:spLocks noGrp="1"/>
+          </p:cNvSpPr>
+          <p:nvPr>
+            <p:ph type="title"/>
+          </p:nvPr>
+        </p:nvSpPr>
+        <p:spPr/>
+        <p:txBody>
+          <a:bodyPr>
+            <a:normAutofit fontScale="90000"/>
+          </a:bodyPr>
+          <a:lstStyle/>
+          <a:p>
+            <a:r>
+              <a:rPr lang="zh-CN" altLang="en-US" dirty="0"/>
+              <a:t>请求处理</a:t>
+            </a:r>
+            <a:r>
+              <a:rPr lang="zh-CN" altLang="en-US" dirty="0" smtClean="0"/>
+              <a:t>方法的参数的</a:t>
+            </a:r>
+            <a:r>
+              <a:rPr lang="zh-CN" altLang="en-US" dirty="0"/>
+              <a:t>改进</a:t>
+            </a:r>
+          </a:p>
+        </p:txBody>
+      </p:sp>
+      <p:sp>
+        <p:nvSpPr>
+          <p:cNvPr id="3" name="内容占位符 2"/>
+          <p:cNvSpPr>
+            <a:spLocks noGrp="1"/>
+          </p:cNvSpPr>
+          <p:nvPr>
+            <p:ph idx="1"/>
+          </p:nvPr>
+        </p:nvSpPr>
+        <p:spPr/>
+        <p:txBody>
+          <a:bodyPr/>
+          <a:lstStyle/>
+          <a:p>
+            <a:r>
+              <a:rPr lang="en-US" altLang="zh-CN" dirty="0"/>
+              <a:t>/</a:t>
+            </a:r>
+            <a:r>
+              <a:rPr lang="en-US" altLang="zh-CN" dirty="0" err="1"/>
+              <a:t>prodcuts</a:t>
+            </a:r>
+            <a:r>
+              <a:rPr lang="en-US" altLang="zh-CN" dirty="0"/>
+              <a:t>/</a:t>
+            </a:r>
+            <a:r>
+              <a:rPr lang="en-US" altLang="zh-CN" dirty="0" err="1"/>
+              <a:t>getDetail</a:t>
+            </a:r>
+            <a:r>
+              <a:rPr lang="en-US" altLang="zh-CN" dirty="0"/>
+              <a:t>/1234</a:t>
+            </a:r>
+          </a:p>
+          <a:p>
+            <a:pPr marL="0" indent="0">
+              <a:buNone/>
+            </a:pPr>
+            <a:endParaRPr lang="en-US" altLang="zh-CN" dirty="0"/>
+          </a:p>
+          <a:p>
+            <a:pPr marL="0" indent="0">
+              <a:buNone/>
+            </a:pPr>
+            <a:r>
+              <a:rPr lang="en-US" altLang="zh-CN" dirty="0"/>
+              <a:t>@</a:t>
+            </a:r>
+            <a:r>
+              <a:rPr lang="en-US" altLang="zh-CN" dirty="0" err="1"/>
+              <a:t>RequestMapping</a:t>
+            </a:r>
+            <a:r>
+              <a:rPr lang="en-US" altLang="zh-CN" dirty="0"/>
+              <a:t>("/</a:t>
+            </a:r>
+            <a:r>
+              <a:rPr lang="en-US" altLang="zh-CN" dirty="0" err="1"/>
+              <a:t>getDetail</a:t>
+            </a:r>
+            <a:r>
+              <a:rPr lang="en-US" altLang="zh-CN" dirty="0"/>
+              <a:t>/{id}")</a:t>
+            </a:r>
+          </a:p>
+          <a:p>
+            <a:pPr marL="0" indent="0">
+              <a:buNone/>
+            </a:pPr>
+            <a:r>
+              <a:rPr lang="en-US" altLang="zh-CN" dirty="0"/>
+              <a:t>public ??? </a:t>
+            </a:r>
+            <a:r>
+              <a:rPr lang="en-US" altLang="zh-CN" dirty="0" err="1"/>
+              <a:t>getProductDetail</a:t>
+            </a:r>
+            <a:r>
+              <a:rPr lang="en-US" altLang="zh-CN" dirty="0" smtClean="0"/>
+              <a:t>(</a:t>
+            </a:r>
+          </a:p>
+          <a:p>
+            <a:pPr marL="0" indent="0">
+              <a:buNone/>
+            </a:pPr>
+            <a:r>
+              <a:rPr lang="en-US" altLang="zh-CN" dirty="0"/>
+              <a:t> </a:t>
+            </a:r>
+            <a:r>
+              <a:rPr lang="en-US" altLang="zh-CN" dirty="0" smtClean="0"/>
+              <a:t>   @</a:t>
+            </a:r>
+            <a:r>
+              <a:rPr lang="en-US" altLang="zh-CN" dirty="0" err="1"/>
+              <a:t>PathVariable</a:t>
+            </a:r>
+            <a:r>
+              <a:rPr lang="en-US" altLang="zh-CN" dirty="0"/>
+              <a:t>("id") String id) </a:t>
+            </a:r>
+            <a:endParaRPr lang="en-US" altLang="zh-CN" dirty="0" smtClean="0"/>
+          </a:p>
+          <a:p>
+            <a:pPr marL="0" indent="0">
+              <a:buNone/>
+            </a:pPr>
+            <a:r>
+              <a:rPr lang="en-US" altLang="zh-CN" dirty="0"/>
+              <a:t> </a:t>
+            </a:r>
+            <a:r>
+              <a:rPr lang="en-US" altLang="zh-CN" dirty="0" smtClean="0"/>
+              <a:t>   { </a:t>
+            </a:r>
+            <a:r>
+              <a:rPr lang="en-US" altLang="zh-CN" dirty="0"/>
+              <a:t>..... }	</a:t>
+            </a:r>
+          </a:p>
+          <a:p>
+            <a:pPr marL="0" indent="0">
+              <a:buNone/>
+            </a:pPr>
+            <a:endParaRPr lang="zh-CN" altLang="en-US" dirty="0"/>
+          </a:p>
+        </p:txBody>
+      </p:sp>
+    </p:spTree>
+    <p:extLst>
+      <p:ext uri="{BB962C8B-B14F-4D97-AF65-F5344CB8AC3E}">
+        <p14:creationId xmlns:p14="http://schemas.microsoft.com/office/powerpoint/2010/main" val="3605846131"/>
       </p:ext>
     </p:extLst>
   </p:cSld>

--- a/spring/docs/03-mvc.pptx
+++ b/spring/docs/03-mvc.pptx
@@ -40630,11 +40630,7 @@
             </a:r>
             <a:r>
               <a:rPr lang="zh-CN" altLang="en-US" dirty="0" smtClean="0"/>
-              <a:t>，太</a:t>
-            </a:r>
-            <a:r>
-              <a:rPr lang="zh-CN" altLang="en-US" dirty="0" smtClean="0"/>
-              <a:t>繁琐</a:t>
+              <a:t>，太繁琐</a:t>
             </a:r>
             <a:endParaRPr lang="en-US" altLang="zh-CN" dirty="0" smtClean="0"/>
           </a:p>
@@ -40654,11 +40650,7 @@
             <a:pPr eaLnBrk="1" hangingPunct="1"/>
             <a:r>
               <a:rPr lang="zh-CN" altLang="en-US" dirty="0" smtClean="0"/>
-              <a:t>不利于集中控制</a:t>
-            </a:r>
-            <a:r>
-              <a:rPr lang="zh-CN" altLang="en-US" dirty="0" smtClean="0"/>
-              <a:t>（安全，事务）</a:t>
+              <a:t>不利于集中控制（安全，事务）</a:t>
             </a:r>
             <a:endParaRPr lang="en-US" altLang="zh-CN" dirty="0" smtClean="0"/>
           </a:p>
@@ -41212,7 +41204,15 @@
           <a:p>
             <a:r>
               <a:rPr lang="zh-CN" altLang="en-US" dirty="0" smtClean="0"/>
-              <a:t>使控制器不依赖于平台的类</a:t>
+              <a:t>使控制器不依赖</a:t>
+            </a:r>
+            <a:r>
+              <a:rPr lang="zh-CN" altLang="en-US" dirty="0" smtClean="0"/>
+              <a:t>于</a:t>
+            </a:r>
+            <a:r>
+              <a:rPr lang="en-US" altLang="zh-CN" smtClean="0"/>
+              <a:t>Http Servlet</a:t>
             </a:r>
             <a:endParaRPr lang="en-US" altLang="zh-CN" dirty="0" smtClean="0"/>
           </a:p>
